--- a/database/slides/SING_ALLELUIA_TO_THE_LORD.pptx
+++ b/database/slides/SING_ALLELUIA_TO_THE_LORD.pptx
@@ -15535,8 +15535,21 @@
                   <a:schemeClr val="lt1"/>
                 </a:solidFill>
               </a:rPr>
-              <a:t>Sing Alleluia (2) Sing Alleluia to the Lord</a:t>
+              <a:t>Sing Alleluia (2) Sing Alleluia to </a:t>
             </a:r>
+            <a:r>
+              <a:rPr lang="en-GB" sz="3800" b="1" i="1">
+                <a:solidFill>
+                  <a:schemeClr val="lt1"/>
+                </a:solidFill>
+              </a:rPr>
+              <a:t>the Lord.</a:t>
+            </a:r>
+            <a:endParaRPr lang="en-GB" sz="3800" b="1" i="1" dirty="0">
+              <a:solidFill>
+                <a:schemeClr val="lt1"/>
+              </a:solidFill>
+            </a:endParaRPr>
           </a:p>
           <a:p>
             <a:pPr marL="114300" indent="0">
@@ -15573,6 +15586,43 @@
                 </a:solidFill>
               </a:rPr>
               <a:t>If you hear him calling, listen to his voice.</a:t>
+            </a:r>
+          </a:p>
+          <a:p>
+            <a:pPr marL="114300" indent="0">
+              <a:spcBef>
+                <a:spcPts val="0"/>
+              </a:spcBef>
+              <a:buClr>
+                <a:srgbClr val="00FF00"/>
+              </a:buClr>
+              <a:buSzPts val="2000"/>
+              <a:buNone/>
+            </a:pPr>
+            <a:endParaRPr lang="en-GB" sz="3800" b="1" dirty="0">
+              <a:solidFill>
+                <a:schemeClr val="lt1"/>
+              </a:solidFill>
+            </a:endParaRPr>
+          </a:p>
+          <a:p>
+            <a:pPr marL="114300" indent="0">
+              <a:spcBef>
+                <a:spcPts val="0"/>
+              </a:spcBef>
+              <a:buClr>
+                <a:srgbClr val="00FF00"/>
+              </a:buClr>
+              <a:buSzPts val="2000"/>
+              <a:buNone/>
+            </a:pPr>
+            <a:r>
+              <a:rPr lang="en-GB" sz="3800" b="1" i="1" dirty="0">
+                <a:solidFill>
+                  <a:schemeClr val="lt1"/>
+                </a:solidFill>
+              </a:rPr>
+              <a:t>Sing Alleluia to the Lord!</a:t>
             </a:r>
           </a:p>
         </p:txBody>
